--- a/Broken Lich of Dungeon/Assets/Cube.pptx
+++ b/Broken Lich of Dungeon/Assets/Cube.pptx
@@ -10,6 +10,7 @@
     <p:sldId id="263" r:id="rId4"/>
     <p:sldId id="261" r:id="rId5"/>
     <p:sldId id="262" r:id="rId6"/>
+    <p:sldId id="264" r:id="rId7"/>
   </p:sldIdLst>
   <p:sldSz cx="12192000" cy="6858000"/>
   <p:notesSz cx="6858000" cy="9144000"/>
@@ -263,7 +264,7 @@
           <a:p>
             <a:fld id="{B5C3F648-DF6E-4818-84DA-4D78E72DAE66}" type="datetimeFigureOut">
               <a:rPr lang="ko-KR" altLang="en-US" smtClean="0"/>
-              <a:t>2018-08-03</a:t>
+              <a:t>2018-08-08</a:t>
             </a:fld>
             <a:endParaRPr lang="ko-KR" altLang="en-US"/>
           </a:p>
@@ -461,7 +462,7 @@
           <a:p>
             <a:fld id="{B5C3F648-DF6E-4818-84DA-4D78E72DAE66}" type="datetimeFigureOut">
               <a:rPr lang="ko-KR" altLang="en-US" smtClean="0"/>
-              <a:t>2018-08-03</a:t>
+              <a:t>2018-08-08</a:t>
             </a:fld>
             <a:endParaRPr lang="ko-KR" altLang="en-US"/>
           </a:p>
@@ -669,7 +670,7 @@
           <a:p>
             <a:fld id="{B5C3F648-DF6E-4818-84DA-4D78E72DAE66}" type="datetimeFigureOut">
               <a:rPr lang="ko-KR" altLang="en-US" smtClean="0"/>
-              <a:t>2018-08-03</a:t>
+              <a:t>2018-08-08</a:t>
             </a:fld>
             <a:endParaRPr lang="ko-KR" altLang="en-US"/>
           </a:p>
@@ -867,7 +868,7 @@
           <a:p>
             <a:fld id="{B5C3F648-DF6E-4818-84DA-4D78E72DAE66}" type="datetimeFigureOut">
               <a:rPr lang="ko-KR" altLang="en-US" smtClean="0"/>
-              <a:t>2018-08-03</a:t>
+              <a:t>2018-08-08</a:t>
             </a:fld>
             <a:endParaRPr lang="ko-KR" altLang="en-US"/>
           </a:p>
@@ -1142,7 +1143,7 @@
           <a:p>
             <a:fld id="{B5C3F648-DF6E-4818-84DA-4D78E72DAE66}" type="datetimeFigureOut">
               <a:rPr lang="ko-KR" altLang="en-US" smtClean="0"/>
-              <a:t>2018-08-03</a:t>
+              <a:t>2018-08-08</a:t>
             </a:fld>
             <a:endParaRPr lang="ko-KR" altLang="en-US"/>
           </a:p>
@@ -1407,7 +1408,7 @@
           <a:p>
             <a:fld id="{B5C3F648-DF6E-4818-84DA-4D78E72DAE66}" type="datetimeFigureOut">
               <a:rPr lang="ko-KR" altLang="en-US" smtClean="0"/>
-              <a:t>2018-08-03</a:t>
+              <a:t>2018-08-08</a:t>
             </a:fld>
             <a:endParaRPr lang="ko-KR" altLang="en-US"/>
           </a:p>
@@ -1819,7 +1820,7 @@
           <a:p>
             <a:fld id="{B5C3F648-DF6E-4818-84DA-4D78E72DAE66}" type="datetimeFigureOut">
               <a:rPr lang="ko-KR" altLang="en-US" smtClean="0"/>
-              <a:t>2018-08-03</a:t>
+              <a:t>2018-08-08</a:t>
             </a:fld>
             <a:endParaRPr lang="ko-KR" altLang="en-US"/>
           </a:p>
@@ -1960,7 +1961,7 @@
           <a:p>
             <a:fld id="{B5C3F648-DF6E-4818-84DA-4D78E72DAE66}" type="datetimeFigureOut">
               <a:rPr lang="ko-KR" altLang="en-US" smtClean="0"/>
-              <a:t>2018-08-03</a:t>
+              <a:t>2018-08-08</a:t>
             </a:fld>
             <a:endParaRPr lang="ko-KR" altLang="en-US"/>
           </a:p>
@@ -2073,7 +2074,7 @@
           <a:p>
             <a:fld id="{B5C3F648-DF6E-4818-84DA-4D78E72DAE66}" type="datetimeFigureOut">
               <a:rPr lang="ko-KR" altLang="en-US" smtClean="0"/>
-              <a:t>2018-08-03</a:t>
+              <a:t>2018-08-08</a:t>
             </a:fld>
             <a:endParaRPr lang="ko-KR" altLang="en-US"/>
           </a:p>
@@ -2384,7 +2385,7 @@
           <a:p>
             <a:fld id="{B5C3F648-DF6E-4818-84DA-4D78E72DAE66}" type="datetimeFigureOut">
               <a:rPr lang="ko-KR" altLang="en-US" smtClean="0"/>
-              <a:t>2018-08-03</a:t>
+              <a:t>2018-08-08</a:t>
             </a:fld>
             <a:endParaRPr lang="ko-KR" altLang="en-US"/>
           </a:p>
@@ -2672,7 +2673,7 @@
           <a:p>
             <a:fld id="{B5C3F648-DF6E-4818-84DA-4D78E72DAE66}" type="datetimeFigureOut">
               <a:rPr lang="ko-KR" altLang="en-US" smtClean="0"/>
-              <a:t>2018-08-03</a:t>
+              <a:t>2018-08-08</a:t>
             </a:fld>
             <a:endParaRPr lang="ko-KR" altLang="en-US"/>
           </a:p>
@@ -2913,7 +2914,7 @@
           <a:p>
             <a:fld id="{B5C3F648-DF6E-4818-84DA-4D78E72DAE66}" type="datetimeFigureOut">
               <a:rPr lang="ko-KR" altLang="en-US" smtClean="0"/>
-              <a:t>2018-08-03</a:t>
+              <a:t>2018-08-08</a:t>
             </a:fld>
             <a:endParaRPr lang="ko-KR" altLang="en-US"/>
           </a:p>
@@ -5262,6 +5263,327 @@
 </p:sld>
 </file>
 
+<file path=ppt/slides/slide6.xml><?xml version="1.0" encoding="utf-8"?>
+<p:sld xmlns:a="http://schemas.openxmlformats.org/drawingml/2006/main" xmlns:r="http://schemas.openxmlformats.org/officeDocument/2006/relationships" xmlns:p="http://schemas.openxmlformats.org/presentationml/2006/main">
+  <p:cSld>
+    <p:spTree>
+      <p:nvGrpSpPr>
+        <p:cNvPr id="1" name=""/>
+        <p:cNvGrpSpPr/>
+        <p:nvPr/>
+      </p:nvGrpSpPr>
+      <p:grpSpPr>
+        <a:xfrm>
+          <a:off x="0" y="0"/>
+          <a:ext cx="0" cy="0"/>
+          <a:chOff x="0" y="0"/>
+          <a:chExt cx="0" cy="0"/>
+        </a:xfrm>
+      </p:grpSpPr>
+      <p:sp>
+        <p:nvSpPr>
+          <p:cNvPr id="3" name="내용 개체 틀 2">
+            <a:extLst>
+              <a:ext uri="{FF2B5EF4-FFF2-40B4-BE49-F238E27FC236}">
+                <a16:creationId xmlns:a16="http://schemas.microsoft.com/office/drawing/2014/main" id="{C07A8836-0844-494F-A7F7-18EE81F7337E}"/>
+              </a:ext>
+            </a:extLst>
+          </p:cNvPr>
+          <p:cNvSpPr>
+            <a:spLocks noGrp="1"/>
+          </p:cNvSpPr>
+          <p:nvPr>
+            <p:ph idx="1"/>
+          </p:nvPr>
+        </p:nvSpPr>
+        <p:spPr>
+          <a:xfrm>
+            <a:off x="838200" y="372080"/>
+            <a:ext cx="10515600" cy="5811838"/>
+          </a:xfrm>
+        </p:spPr>
+        <p:txBody>
+          <a:bodyPr>
+            <a:normAutofit/>
+          </a:bodyPr>
+          <a:lstStyle/>
+          <a:p>
+            <a:pPr marL="0" indent="0">
+              <a:buNone/>
+            </a:pPr>
+            <a:r>
+              <a:rPr lang="en-US" altLang="ko-KR" sz="1000" dirty="0"/>
+              <a:t>9. UI - Shop</a:t>
+            </a:r>
+          </a:p>
+          <a:p>
+            <a:pPr marL="0" indent="0">
+              <a:buNone/>
+            </a:pPr>
+            <a:endParaRPr lang="en-US" altLang="ko-KR" sz="1000" dirty="0"/>
+          </a:p>
+        </p:txBody>
+      </p:sp>
+      <p:sp>
+        <p:nvSpPr>
+          <p:cNvPr id="2" name="직사각형 1">
+            <a:extLst>
+              <a:ext uri="{FF2B5EF4-FFF2-40B4-BE49-F238E27FC236}">
+                <a16:creationId xmlns:a16="http://schemas.microsoft.com/office/drawing/2014/main" id="{A1CBE083-9967-4A93-9162-BE13E3993CCE}"/>
+              </a:ext>
+            </a:extLst>
+          </p:cNvPr>
+          <p:cNvSpPr/>
+          <p:nvPr/>
+        </p:nvSpPr>
+        <p:spPr>
+          <a:xfrm>
+            <a:off x="1096161" y="694189"/>
+            <a:ext cx="9999677" cy="5167619"/>
+          </a:xfrm>
+          <a:prstGeom prst="rect">
+            <a:avLst/>
+          </a:prstGeom>
+          <a:solidFill>
+            <a:schemeClr val="bg1"/>
+          </a:solidFill>
+          <a:ln>
+            <a:solidFill>
+              <a:schemeClr val="tx1"/>
+            </a:solidFill>
+          </a:ln>
+        </p:spPr>
+        <p:style>
+          <a:lnRef idx="2">
+            <a:schemeClr val="accent1">
+              <a:shade val="50000"/>
+            </a:schemeClr>
+          </a:lnRef>
+          <a:fillRef idx="1">
+            <a:schemeClr val="accent1"/>
+          </a:fillRef>
+          <a:effectRef idx="0">
+            <a:schemeClr val="accent1"/>
+          </a:effectRef>
+          <a:fontRef idx="minor">
+            <a:schemeClr val="lt1"/>
+          </a:fontRef>
+        </p:style>
+        <p:txBody>
+          <a:bodyPr rtlCol="0" anchor="ctr"/>
+          <a:lstStyle/>
+          <a:p>
+            <a:pPr algn="ctr"/>
+            <a:endParaRPr lang="ko-KR" altLang="en-US"/>
+          </a:p>
+        </p:txBody>
+      </p:sp>
+      <p:sp>
+        <p:nvSpPr>
+          <p:cNvPr id="5" name="직사각형 4">
+            <a:extLst>
+              <a:ext uri="{FF2B5EF4-FFF2-40B4-BE49-F238E27FC236}">
+                <a16:creationId xmlns:a16="http://schemas.microsoft.com/office/drawing/2014/main" id="{AD080A04-D8A0-49B6-98FC-2935B31E2E3B}"/>
+              </a:ext>
+            </a:extLst>
+          </p:cNvPr>
+          <p:cNvSpPr/>
+          <p:nvPr/>
+        </p:nvSpPr>
+        <p:spPr>
+          <a:xfrm>
+            <a:off x="2407640" y="1434517"/>
+            <a:ext cx="7541703" cy="3573711"/>
+          </a:xfrm>
+          <a:prstGeom prst="rect">
+            <a:avLst/>
+          </a:prstGeom>
+          <a:solidFill>
+            <a:schemeClr val="bg1">
+              <a:lumMod val="85000"/>
+            </a:schemeClr>
+          </a:solidFill>
+          <a:ln>
+            <a:solidFill>
+              <a:schemeClr val="bg1">
+                <a:lumMod val="85000"/>
+              </a:schemeClr>
+            </a:solidFill>
+          </a:ln>
+        </p:spPr>
+        <p:style>
+          <a:lnRef idx="2">
+            <a:schemeClr val="accent1">
+              <a:shade val="50000"/>
+            </a:schemeClr>
+          </a:lnRef>
+          <a:fillRef idx="1">
+            <a:schemeClr val="accent1"/>
+          </a:fillRef>
+          <a:effectRef idx="0">
+            <a:schemeClr val="accent1"/>
+          </a:effectRef>
+          <a:fontRef idx="minor">
+            <a:schemeClr val="lt1"/>
+          </a:fontRef>
+        </p:style>
+        <p:txBody>
+          <a:bodyPr rtlCol="0" anchor="ctr"/>
+          <a:lstStyle/>
+          <a:p>
+            <a:pPr algn="ctr"/>
+            <a:endParaRPr lang="ko-KR" altLang="en-US"/>
+          </a:p>
+        </p:txBody>
+      </p:sp>
+      <p:sp>
+        <p:nvSpPr>
+          <p:cNvPr id="7" name="TextBox 6">
+            <a:extLst>
+              <a:ext uri="{FF2B5EF4-FFF2-40B4-BE49-F238E27FC236}">
+                <a16:creationId xmlns:a16="http://schemas.microsoft.com/office/drawing/2014/main" id="{9AF0F71C-FEBB-4486-B208-1B7628F7BB89}"/>
+              </a:ext>
+            </a:extLst>
+          </p:cNvPr>
+          <p:cNvSpPr txBox="1"/>
+          <p:nvPr/>
+        </p:nvSpPr>
+        <p:spPr>
+          <a:xfrm>
+            <a:off x="1020659" y="5999251"/>
+            <a:ext cx="8794460" cy="369332"/>
+          </a:xfrm>
+          <a:prstGeom prst="rect">
+            <a:avLst/>
+          </a:prstGeom>
+          <a:noFill/>
+        </p:spPr>
+        <p:txBody>
+          <a:bodyPr wrap="square" rtlCol="0">
+            <a:spAutoFit/>
+          </a:bodyPr>
+          <a:lstStyle/>
+          <a:p>
+            <a:r>
+              <a:rPr lang="ko-KR" altLang="en-US" dirty="0"/>
+              <a:t>구현 해야 될 버튼</a:t>
+            </a:r>
+            <a:r>
+              <a:rPr lang="en-US" altLang="ko-KR" dirty="0"/>
+              <a:t>: </a:t>
+            </a:r>
+            <a:r>
+              <a:rPr lang="ko-KR" altLang="en-US" dirty="0"/>
+              <a:t>닫기</a:t>
+            </a:r>
+            <a:r>
+              <a:rPr lang="en-US" altLang="ko-KR" dirty="0"/>
+              <a:t>, </a:t>
+            </a:r>
+            <a:r>
+              <a:rPr lang="ko-KR" altLang="en-US" dirty="0"/>
+              <a:t>무기</a:t>
+            </a:r>
+            <a:r>
+              <a:rPr lang="en-US" altLang="ko-KR" dirty="0"/>
+              <a:t>, </a:t>
+            </a:r>
+            <a:r>
+              <a:rPr lang="ko-KR" altLang="en-US" dirty="0"/>
+              <a:t>소모품</a:t>
+            </a:r>
+            <a:r>
+              <a:rPr lang="en-US" altLang="ko-KR" dirty="0"/>
+              <a:t>, </a:t>
+            </a:r>
+            <a:r>
+              <a:rPr lang="ko-KR" altLang="en-US" dirty="0"/>
+              <a:t>구매</a:t>
+            </a:r>
+            <a:r>
+              <a:rPr lang="en-US" altLang="ko-KR" dirty="0"/>
+              <a:t>, </a:t>
+            </a:r>
+            <a:r>
+              <a:rPr lang="ko-KR" altLang="en-US" dirty="0"/>
+              <a:t>이전 페이지로 이동</a:t>
+            </a:r>
+            <a:r>
+              <a:rPr lang="en-US" altLang="ko-KR" dirty="0"/>
+              <a:t>, </a:t>
+            </a:r>
+            <a:r>
+              <a:rPr lang="ko-KR" altLang="en-US" dirty="0"/>
+              <a:t>다음페이지로 이동</a:t>
+            </a:r>
+            <a:r>
+              <a:rPr lang="en-US" altLang="ko-KR" dirty="0"/>
+              <a:t> </a:t>
+            </a:r>
+            <a:endParaRPr lang="ko-KR" altLang="en-US" dirty="0"/>
+          </a:p>
+        </p:txBody>
+      </p:sp>
+      <p:sp>
+        <p:nvSpPr>
+          <p:cNvPr id="10" name="TextBox 9">
+            <a:extLst>
+              <a:ext uri="{FF2B5EF4-FFF2-40B4-BE49-F238E27FC236}">
+                <a16:creationId xmlns:a16="http://schemas.microsoft.com/office/drawing/2014/main" id="{E5AA13FD-30B3-42C1-82D6-47D8BC144C5E}"/>
+              </a:ext>
+            </a:extLst>
+          </p:cNvPr>
+          <p:cNvSpPr txBox="1"/>
+          <p:nvPr/>
+        </p:nvSpPr>
+        <p:spPr>
+          <a:xfrm>
+            <a:off x="1096161" y="6467912"/>
+            <a:ext cx="6511719" cy="369332"/>
+          </a:xfrm>
+          <a:prstGeom prst="rect">
+            <a:avLst/>
+          </a:prstGeom>
+          <a:noFill/>
+        </p:spPr>
+        <p:txBody>
+          <a:bodyPr wrap="none" rtlCol="0">
+            <a:spAutoFit/>
+          </a:bodyPr>
+          <a:lstStyle/>
+          <a:p>
+            <a:r>
+              <a:rPr lang="ko-KR" altLang="en-US" dirty="0"/>
+              <a:t>구현 해야 될 기능</a:t>
+            </a:r>
+            <a:r>
+              <a:rPr lang="en-US" altLang="ko-KR" dirty="0"/>
+              <a:t>: </a:t>
+            </a:r>
+            <a:r>
+              <a:rPr lang="ko-KR" altLang="en-US" dirty="0" err="1"/>
+              <a:t>레이에</a:t>
+            </a:r>
+            <a:r>
+              <a:rPr lang="ko-KR" altLang="en-US" dirty="0"/>
+              <a:t> 닿으면 버튼 색상이 변하도록 한다</a:t>
+            </a:r>
+          </a:p>
+        </p:txBody>
+      </p:sp>
+    </p:spTree>
+    <p:extLst>
+      <p:ext uri="{BB962C8B-B14F-4D97-AF65-F5344CB8AC3E}">
+        <p14:creationId xmlns:p14="http://schemas.microsoft.com/office/powerpoint/2010/main" val="4175900335"/>
+      </p:ext>
+    </p:extLst>
+  </p:cSld>
+  <p:clrMapOvr>
+    <a:masterClrMapping/>
+  </p:clrMapOvr>
+</p:sld>
+</file>
+
 <file path=ppt/theme/theme1.xml><?xml version="1.0" encoding="utf-8"?>
 <a:theme xmlns:a="http://schemas.openxmlformats.org/drawingml/2006/main" name="Office 테마">
   <a:themeElements>
